--- a/Class 09 Confirmatory Factor Analysis.pptx
+++ b/Class 09 Confirmatory Factor Analysis.pptx
@@ -158,6 +158,43 @@
 </p1510:revInfo>
 </file>
 
+<file path=ppt/changesInfos/changesInfo1.xml><?xml version="1.0" encoding="utf-8"?>
+<pc:chgInfo xmlns:a="http://schemas.openxmlformats.org/drawingml/2006/main" xmlns:r="http://schemas.openxmlformats.org/officeDocument/2006/relationships" xmlns:ac="http://schemas.microsoft.com/office/drawing/2013/main/command" xmlns:pc="http://schemas.microsoft.com/office/powerpoint/2013/main/command">
+  <pc:docChgLst>
+    <pc:chgData name="Vitaly Druker" userId="2c9e1fe4-d3d1-4b04-a99a-cb29bc2e442f" providerId="ADAL" clId="{B3798364-FF51-A843-85C3-53156A6346D3}"/>
+    <pc:docChg chg="modSld">
+      <pc:chgData name="Vitaly Druker" userId="2c9e1fe4-d3d1-4b04-a99a-cb29bc2e442f" providerId="ADAL" clId="{B3798364-FF51-A843-85C3-53156A6346D3}" dt="2021-11-10T21:44:17.798" v="49" actId="20577"/>
+      <pc:docMkLst>
+        <pc:docMk/>
+      </pc:docMkLst>
+      <pc:sldChg chg="modSp mod">
+        <pc:chgData name="Vitaly Druker" userId="2c9e1fe4-d3d1-4b04-a99a-cb29bc2e442f" providerId="ADAL" clId="{B3798364-FF51-A843-85C3-53156A6346D3}" dt="2021-11-10T21:44:17.798" v="49" actId="20577"/>
+        <pc:sldMkLst>
+          <pc:docMk/>
+          <pc:sldMk cId="1189493624" sldId="256"/>
+        </pc:sldMkLst>
+        <pc:spChg chg="mod">
+          <ac:chgData name="Vitaly Druker" userId="2c9e1fe4-d3d1-4b04-a99a-cb29bc2e442f" providerId="ADAL" clId="{B3798364-FF51-A843-85C3-53156A6346D3}" dt="2021-11-10T21:44:00.343" v="19" actId="20577"/>
+          <ac:spMkLst>
+            <pc:docMk/>
+            <pc:sldMk cId="1189493624" sldId="256"/>
+            <ac:spMk id="2" creationId="{D2A305D6-E6C3-294B-A26D-F4A53D3D1723}"/>
+          </ac:spMkLst>
+        </pc:spChg>
+        <pc:spChg chg="mod">
+          <ac:chgData name="Vitaly Druker" userId="2c9e1fe4-d3d1-4b04-a99a-cb29bc2e442f" providerId="ADAL" clId="{B3798364-FF51-A843-85C3-53156A6346D3}" dt="2021-11-10T21:44:17.798" v="49" actId="20577"/>
+          <ac:spMkLst>
+            <pc:docMk/>
+            <pc:sldMk cId="1189493624" sldId="256"/>
+            <ac:spMk id="3" creationId="{956BDAB3-35C0-914C-B80C-443635234E31}"/>
+          </ac:spMkLst>
+        </pc:spChg>
+      </pc:sldChg>
+    </pc:docChg>
+  </pc:docChgLst>
+</pc:chgInfo>
+</file>
+
 <file path=ppt/notesMasters/notesMaster1.xml><?xml version="1.0" encoding="utf-8"?>
 <p:notesMaster xmlns:a="http://schemas.openxmlformats.org/drawingml/2006/main" xmlns:r="http://schemas.openxmlformats.org/officeDocument/2006/relationships" xmlns:p="http://schemas.openxmlformats.org/presentationml/2006/main">
   <p:cSld>
@@ -240,7 +277,7 @@
           <a:p>
             <a:fld id="{DCB46477-8831-DF47-BC3A-B65F1FA8D045}" type="datetimeFigureOut">
               <a:rPr lang="en-US" smtClean="0"/>
-              <a:t>10/21/21</a:t>
+              <a:t>11/10/21</a:t>
             </a:fld>
             <a:endParaRPr lang="en-US"/>
           </a:p>
@@ -738,7 +775,7 @@
           <a:p>
             <a:fld id="{037F6D3A-DF67-F84B-9597-C40502329EC7}" type="datetimeFigureOut">
               <a:rPr lang="en-US" smtClean="0"/>
-              <a:t>10/21/21</a:t>
+              <a:t>11/10/21</a:t>
             </a:fld>
             <a:endParaRPr lang="en-US"/>
           </a:p>
@@ -936,7 +973,7 @@
           <a:p>
             <a:fld id="{037F6D3A-DF67-F84B-9597-C40502329EC7}" type="datetimeFigureOut">
               <a:rPr lang="en-US" smtClean="0"/>
-              <a:t>10/21/21</a:t>
+              <a:t>11/10/21</a:t>
             </a:fld>
             <a:endParaRPr lang="en-US"/>
           </a:p>
@@ -1144,7 +1181,7 @@
           <a:p>
             <a:fld id="{037F6D3A-DF67-F84B-9597-C40502329EC7}" type="datetimeFigureOut">
               <a:rPr lang="en-US" smtClean="0"/>
-              <a:t>10/21/21</a:t>
+              <a:t>11/10/21</a:t>
             </a:fld>
             <a:endParaRPr lang="en-US"/>
           </a:p>
@@ -1342,7 +1379,7 @@
           <a:p>
             <a:fld id="{037F6D3A-DF67-F84B-9597-C40502329EC7}" type="datetimeFigureOut">
               <a:rPr lang="en-US" smtClean="0"/>
-              <a:t>10/21/21</a:t>
+              <a:t>11/10/21</a:t>
             </a:fld>
             <a:endParaRPr lang="en-US"/>
           </a:p>
@@ -1617,7 +1654,7 @@
           <a:p>
             <a:fld id="{037F6D3A-DF67-F84B-9597-C40502329EC7}" type="datetimeFigureOut">
               <a:rPr lang="en-US" smtClean="0"/>
-              <a:t>10/21/21</a:t>
+              <a:t>11/10/21</a:t>
             </a:fld>
             <a:endParaRPr lang="en-US"/>
           </a:p>
@@ -1882,7 +1919,7 @@
           <a:p>
             <a:fld id="{037F6D3A-DF67-F84B-9597-C40502329EC7}" type="datetimeFigureOut">
               <a:rPr lang="en-US" smtClean="0"/>
-              <a:t>10/21/21</a:t>
+              <a:t>11/10/21</a:t>
             </a:fld>
             <a:endParaRPr lang="en-US"/>
           </a:p>
@@ -2294,7 +2331,7 @@
           <a:p>
             <a:fld id="{037F6D3A-DF67-F84B-9597-C40502329EC7}" type="datetimeFigureOut">
               <a:rPr lang="en-US" smtClean="0"/>
-              <a:t>10/21/21</a:t>
+              <a:t>11/10/21</a:t>
             </a:fld>
             <a:endParaRPr lang="en-US"/>
           </a:p>
@@ -2435,7 +2472,7 @@
           <a:p>
             <a:fld id="{037F6D3A-DF67-F84B-9597-C40502329EC7}" type="datetimeFigureOut">
               <a:rPr lang="en-US" smtClean="0"/>
-              <a:t>10/21/21</a:t>
+              <a:t>11/10/21</a:t>
             </a:fld>
             <a:endParaRPr lang="en-US"/>
           </a:p>
@@ -2548,7 +2585,7 @@
           <a:p>
             <a:fld id="{037F6D3A-DF67-F84B-9597-C40502329EC7}" type="datetimeFigureOut">
               <a:rPr lang="en-US" smtClean="0"/>
-              <a:t>10/21/21</a:t>
+              <a:t>11/10/21</a:t>
             </a:fld>
             <a:endParaRPr lang="en-US"/>
           </a:p>
@@ -2859,7 +2896,7 @@
           <a:p>
             <a:fld id="{037F6D3A-DF67-F84B-9597-C40502329EC7}" type="datetimeFigureOut">
               <a:rPr lang="en-US" smtClean="0"/>
-              <a:t>10/21/21</a:t>
+              <a:t>11/10/21</a:t>
             </a:fld>
             <a:endParaRPr lang="en-US"/>
           </a:p>
@@ -3147,7 +3184,7 @@
           <a:p>
             <a:fld id="{037F6D3A-DF67-F84B-9597-C40502329EC7}" type="datetimeFigureOut">
               <a:rPr lang="en-US" smtClean="0"/>
-              <a:t>10/21/21</a:t>
+              <a:t>11/10/21</a:t>
             </a:fld>
             <a:endParaRPr lang="en-US"/>
           </a:p>
@@ -3388,7 +3425,7 @@
           <a:p>
             <a:fld id="{037F6D3A-DF67-F84B-9597-C40502329EC7}" type="datetimeFigureOut">
               <a:rPr lang="en-US" smtClean="0"/>
-              <a:t>10/21/21</a:t>
+              <a:t>11/10/21</a:t>
             </a:fld>
             <a:endParaRPr lang="en-US"/>
           </a:p>
@@ -3833,7 +3870,7 @@
           <a:p>
             <a:r>
               <a:rPr lang="en-US" dirty="0"/>
-              <a:t>STAT 717: Lecture 9</a:t>
+              <a:t>STAT 717: Class 11</a:t>
             </a:r>
           </a:p>
         </p:txBody>
@@ -3866,7 +3903,7 @@
           <a:p>
             <a:r>
               <a:rPr lang="en-US" dirty="0"/>
-              <a:t>Confirmatory Factor Analysis</a:t>
+              <a:t>Clustering</a:t>
             </a:r>
           </a:p>
           <a:p>
@@ -3878,11 +3915,11 @@
           <a:p>
             <a:r>
               <a:rPr lang="en-US" dirty="0"/>
-              <a:t>  October 21</a:t>
+              <a:t>November 11</a:t>
             </a:r>
             <a:r>
               <a:rPr lang="en-US" baseline="30000" dirty="0"/>
-              <a:t>st</a:t>
+              <a:t>th</a:t>
             </a:r>
             <a:r>
               <a:rPr lang="en-US" dirty="0"/>
@@ -3949,8 +3986,8 @@
           </a:p>
         </p:txBody>
       </p:sp>
-      <mc:AlternateContent xmlns:mc="http://schemas.openxmlformats.org/markup-compatibility/2006">
-        <mc:Choice xmlns:a14="http://schemas.microsoft.com/office/drawing/2010/main" Requires="a14">
+      <mc:AlternateContent xmlns:mc="http://schemas.openxmlformats.org/markup-compatibility/2006" xmlns:a14="http://schemas.microsoft.com/office/drawing/2010/main">
+        <mc:Choice Requires="a14">
           <p:sp>
             <p:nvSpPr>
               <p:cNvPr id="3" name="Content Placeholder 2">
@@ -4198,7 +4235,7 @@
             </p:txBody>
           </p:sp>
         </mc:Choice>
-        <mc:Fallback>
+        <mc:Fallback xmlns="">
           <p:sp>
             <p:nvSpPr>
               <p:cNvPr id="3" name="Content Placeholder 2">
@@ -4418,8 +4455,8 @@
           </a:prstGeom>
         </p:spPr>
       </p:pic>
-      <mc:AlternateContent xmlns:mc="http://schemas.openxmlformats.org/markup-compatibility/2006">
-        <mc:Choice xmlns:a14="http://schemas.microsoft.com/office/drawing/2010/main" Requires="a14">
+      <mc:AlternateContent xmlns:mc="http://schemas.openxmlformats.org/markup-compatibility/2006" xmlns:a14="http://schemas.microsoft.com/office/drawing/2010/main">
+        <mc:Choice Requires="a14">
           <p:sp>
             <p:nvSpPr>
               <p:cNvPr id="5" name="TextBox 4">
@@ -4501,7 +4538,7 @@
             </p:txBody>
           </p:sp>
         </mc:Choice>
-        <mc:Fallback>
+        <mc:Fallback xmlns="">
           <p:sp>
             <p:nvSpPr>
               <p:cNvPr id="5" name="TextBox 4">
@@ -4604,8 +4641,8 @@
           </a:p>
         </p:txBody>
       </p:sp>
-      <mc:AlternateContent xmlns:mc="http://schemas.openxmlformats.org/markup-compatibility/2006">
-        <mc:Choice xmlns:a14="http://schemas.microsoft.com/office/drawing/2010/main" Requires="a14">
+      <mc:AlternateContent xmlns:mc="http://schemas.openxmlformats.org/markup-compatibility/2006" xmlns:a14="http://schemas.microsoft.com/office/drawing/2010/main">
+        <mc:Choice Requires="a14">
           <p:sp>
             <p:nvSpPr>
               <p:cNvPr id="3" name="Content Placeholder 2">
@@ -4713,7 +4750,7 @@
             </p:txBody>
           </p:sp>
         </mc:Choice>
-        <mc:Fallback>
+        <mc:Fallback xmlns="">
           <p:sp>
             <p:nvSpPr>
               <p:cNvPr id="3" name="Content Placeholder 2">
@@ -5347,8 +5384,8 @@
           </a:p>
         </p:txBody>
       </p:sp>
-      <mc:AlternateContent xmlns:mc="http://schemas.openxmlformats.org/markup-compatibility/2006">
-        <mc:Choice xmlns:a14="http://schemas.microsoft.com/office/drawing/2010/main" Requires="a14">
+      <mc:AlternateContent xmlns:mc="http://schemas.openxmlformats.org/markup-compatibility/2006" xmlns:a14="http://schemas.microsoft.com/office/drawing/2010/main">
+        <mc:Choice Requires="a14">
           <p:sp>
             <p:nvSpPr>
               <p:cNvPr id="3" name="Content Placeholder 2">
@@ -5450,7 +5487,7 @@
             </p:txBody>
           </p:sp>
         </mc:Choice>
-        <mc:Fallback>
+        <mc:Fallback xmlns="">
           <p:sp>
             <p:nvSpPr>
               <p:cNvPr id="3" name="Content Placeholder 2">
